--- a/docs/docs/resources/SONA Guide.pptx
+++ b/docs/docs/resources/SONA Guide.pptx
@@ -14,18 +14,20 @@
     <p:sldId id="260" r:id="rId8"/>
     <p:sldId id="261" r:id="rId9"/>
     <p:sldId id="262" r:id="rId10"/>
-    <p:sldId id="277" r:id="rId11"/>
-    <p:sldId id="263" r:id="rId12"/>
-    <p:sldId id="265" r:id="rId13"/>
-    <p:sldId id="271" r:id="rId14"/>
-    <p:sldId id="275" r:id="rId15"/>
-    <p:sldId id="269" r:id="rId16"/>
-    <p:sldId id="264" r:id="rId17"/>
-    <p:sldId id="270" r:id="rId18"/>
-    <p:sldId id="272" r:id="rId19"/>
-    <p:sldId id="273" r:id="rId20"/>
-    <p:sldId id="274" r:id="rId21"/>
-    <p:sldId id="279" r:id="rId22"/>
+    <p:sldId id="280" r:id="rId11"/>
+    <p:sldId id="281" r:id="rId12"/>
+    <p:sldId id="277" r:id="rId13"/>
+    <p:sldId id="263" r:id="rId14"/>
+    <p:sldId id="265" r:id="rId15"/>
+    <p:sldId id="271" r:id="rId16"/>
+    <p:sldId id="275" r:id="rId17"/>
+    <p:sldId id="269" r:id="rId18"/>
+    <p:sldId id="264" r:id="rId19"/>
+    <p:sldId id="270" r:id="rId20"/>
+    <p:sldId id="272" r:id="rId21"/>
+    <p:sldId id="273" r:id="rId22"/>
+    <p:sldId id="274" r:id="rId23"/>
+    <p:sldId id="279" r:id="rId24"/>
   </p:sldIdLst>
   <p:sldSz cx="12192000" cy="6858000"/>
   <p:notesSz cx="6858000" cy="9144000"/>
@@ -9164,6 +9166,376 @@
           <p:cNvPr id="2" name="Title 1">
             <a:extLst>
               <a:ext uri="{FF2B5EF4-FFF2-40B4-BE49-F238E27FC236}">
+                <a16:creationId xmlns:a16="http://schemas.microsoft.com/office/drawing/2014/main" id="{33AFA917-CDFD-4450-B9A1-13C7DC5D2947}"/>
+              </a:ext>
+            </a:extLst>
+          </p:cNvPr>
+          <p:cNvSpPr>
+            <a:spLocks noGrp="1"/>
+          </p:cNvSpPr>
+          <p:nvPr>
+            <p:ph type="title"/>
+          </p:nvPr>
+        </p:nvSpPr>
+        <p:spPr/>
+        <p:txBody>
+          <a:bodyPr/>
+          <a:lstStyle/>
+          <a:p>
+            <a:pPr algn="l"/>
+            <a:r>
+              <a:rPr lang="en-US" dirty="0"/>
+              <a:t>Confirm Prescreen Restrictions</a:t>
+            </a:r>
+          </a:p>
+        </p:txBody>
+      </p:sp>
+      <p:sp>
+        <p:nvSpPr>
+          <p:cNvPr id="3" name="Content Placeholder 2">
+            <a:extLst>
+              <a:ext uri="{FF2B5EF4-FFF2-40B4-BE49-F238E27FC236}">
+                <a16:creationId xmlns:a16="http://schemas.microsoft.com/office/drawing/2014/main" id="{A6FB633E-84A0-4D11-953F-CD00306CDED7}"/>
+              </a:ext>
+            </a:extLst>
+          </p:cNvPr>
+          <p:cNvSpPr>
+            <a:spLocks noGrp="1"/>
+          </p:cNvSpPr>
+          <p:nvPr>
+            <p:ph idx="1"/>
+          </p:nvPr>
+        </p:nvSpPr>
+        <p:spPr>
+          <a:xfrm>
+            <a:off x="913795" y="1732449"/>
+            <a:ext cx="5182205" cy="4058751"/>
+          </a:xfrm>
+        </p:spPr>
+        <p:txBody>
+          <a:bodyPr/>
+          <a:lstStyle/>
+          <a:p>
+            <a:r>
+              <a:rPr lang="en-US" dirty="0"/>
+              <a:t>On the study home page, select </a:t>
+            </a:r>
+            <a:r>
+              <a:rPr lang="en-US" b="1" dirty="0"/>
+              <a:t>View/Modify Restrictions</a:t>
+            </a:r>
+            <a:endParaRPr lang="en-US" dirty="0"/>
+          </a:p>
+          <a:p>
+            <a:endParaRPr lang="en-US" dirty="0"/>
+          </a:p>
+          <a:p>
+            <a:r>
+              <a:rPr lang="en-US" dirty="0"/>
+              <a:t>Ensure the correct characteristics are selected (age, vision, etc.) and </a:t>
+            </a:r>
+            <a:r>
+              <a:rPr lang="en-US" b="1" dirty="0"/>
+              <a:t>Set Restrictions</a:t>
+            </a:r>
+            <a:endParaRPr lang="en-US" dirty="0"/>
+          </a:p>
+        </p:txBody>
+      </p:sp>
+      <p:pic>
+        <p:nvPicPr>
+          <p:cNvPr id="4" name="Picture 3">
+            <a:extLst>
+              <a:ext uri="{FF2B5EF4-FFF2-40B4-BE49-F238E27FC236}">
+                <a16:creationId xmlns:a16="http://schemas.microsoft.com/office/drawing/2014/main" id="{8073A084-80FB-43BA-98E3-C0FC828D47F1}"/>
+              </a:ext>
+            </a:extLst>
+          </p:cNvPr>
+          <p:cNvPicPr>
+            <a:picLocks noChangeAspect="1"/>
+          </p:cNvPicPr>
+          <p:nvPr/>
+        </p:nvPicPr>
+        <p:blipFill rotWithShape="1">
+          <a:blip r:embed="rId2"/>
+          <a:srcRect r="10987" b="20976"/>
+          <a:stretch/>
+        </p:blipFill>
+        <p:spPr>
+          <a:xfrm>
+            <a:off x="7114310" y="1449264"/>
+            <a:ext cx="4964449" cy="2157380"/>
+          </a:xfrm>
+          <a:prstGeom prst="rect">
+            <a:avLst/>
+          </a:prstGeom>
+        </p:spPr>
+      </p:pic>
+      <p:pic>
+        <p:nvPicPr>
+          <p:cNvPr id="5" name="Picture 4">
+            <a:extLst>
+              <a:ext uri="{FF2B5EF4-FFF2-40B4-BE49-F238E27FC236}">
+                <a16:creationId xmlns:a16="http://schemas.microsoft.com/office/drawing/2014/main" id="{4E101EDF-6FDD-4E59-9FC8-5E33D0FBF572}"/>
+              </a:ext>
+            </a:extLst>
+          </p:cNvPr>
+          <p:cNvPicPr>
+            <a:picLocks noChangeAspect="1"/>
+          </p:cNvPicPr>
+          <p:nvPr/>
+        </p:nvPicPr>
+        <p:blipFill>
+          <a:blip r:embed="rId3"/>
+          <a:stretch>
+            <a:fillRect/>
+          </a:stretch>
+        </p:blipFill>
+        <p:spPr>
+          <a:xfrm>
+            <a:off x="5662075" y="3368291"/>
+            <a:ext cx="4280211" cy="3260429"/>
+          </a:xfrm>
+          <a:prstGeom prst="rect">
+            <a:avLst/>
+          </a:prstGeom>
+        </p:spPr>
+      </p:pic>
+      <p:sp>
+        <p:nvSpPr>
+          <p:cNvPr id="6" name="Bent-Up Arrow 6">
+            <a:extLst>
+              <a:ext uri="{FF2B5EF4-FFF2-40B4-BE49-F238E27FC236}">
+                <a16:creationId xmlns:a16="http://schemas.microsoft.com/office/drawing/2014/main" id="{9A7745FE-D2B5-4F2C-8091-5C554D34BD9B}"/>
+              </a:ext>
+            </a:extLst>
+          </p:cNvPr>
+          <p:cNvSpPr/>
+          <p:nvPr/>
+        </p:nvSpPr>
+        <p:spPr>
+          <a:xfrm rot="10800000">
+            <a:off x="6209241" y="2136530"/>
+            <a:ext cx="905069" cy="782849"/>
+          </a:xfrm>
+          <a:prstGeom prst="bentUpArrow">
+            <a:avLst>
+              <a:gd name="adj1" fmla="val 15465"/>
+              <a:gd name="adj2" fmla="val 25000"/>
+              <a:gd name="adj3" fmla="val 25000"/>
+            </a:avLst>
+          </a:prstGeom>
+          <a:solidFill>
+            <a:schemeClr val="tx1"/>
+          </a:solidFill>
+          <a:ln>
+            <a:solidFill>
+              <a:schemeClr val="tx1"/>
+            </a:solidFill>
+          </a:ln>
+        </p:spPr>
+        <p:style>
+          <a:lnRef idx="2">
+            <a:schemeClr val="accent1">
+              <a:shade val="50000"/>
+            </a:schemeClr>
+          </a:lnRef>
+          <a:fillRef idx="1">
+            <a:schemeClr val="accent1"/>
+          </a:fillRef>
+          <a:effectRef idx="0">
+            <a:schemeClr val="accent1"/>
+          </a:effectRef>
+          <a:fontRef idx="minor">
+            <a:schemeClr val="lt1"/>
+          </a:fontRef>
+        </p:style>
+        <p:txBody>
+          <a:bodyPr rtlCol="0" anchor="ctr"/>
+          <a:lstStyle/>
+          <a:p>
+            <a:pPr algn="ctr"/>
+            <a:endParaRPr lang="en-US"/>
+          </a:p>
+        </p:txBody>
+      </p:sp>
+    </p:spTree>
+    <p:extLst>
+      <p:ext uri="{BB962C8B-B14F-4D97-AF65-F5344CB8AC3E}">
+        <p14:creationId xmlns:p14="http://schemas.microsoft.com/office/powerpoint/2010/main" val="254674685"/>
+      </p:ext>
+    </p:extLst>
+  </p:cSld>
+  <p:clrMapOvr>
+    <a:masterClrMapping/>
+  </p:clrMapOvr>
+</p:sld>
+</file>
+
+<file path=ppt/slides/slide11.xml><?xml version="1.0" encoding="utf-8"?>
+<p:sld xmlns:a="http://schemas.openxmlformats.org/drawingml/2006/main" xmlns:r="http://schemas.openxmlformats.org/officeDocument/2006/relationships" xmlns:p="http://schemas.openxmlformats.org/presentationml/2006/main">
+  <p:cSld>
+    <p:spTree>
+      <p:nvGrpSpPr>
+        <p:cNvPr id="1" name=""/>
+        <p:cNvGrpSpPr/>
+        <p:nvPr/>
+      </p:nvGrpSpPr>
+      <p:grpSpPr>
+        <a:xfrm>
+          <a:off x="0" y="0"/>
+          <a:ext cx="0" cy="0"/>
+          <a:chOff x="0" y="0"/>
+          <a:chExt cx="0" cy="0"/>
+        </a:xfrm>
+      </p:grpSpPr>
+      <p:sp>
+        <p:nvSpPr>
+          <p:cNvPr id="2" name="Title 1">
+            <a:extLst>
+              <a:ext uri="{FF2B5EF4-FFF2-40B4-BE49-F238E27FC236}">
+                <a16:creationId xmlns:a16="http://schemas.microsoft.com/office/drawing/2014/main" id="{45CD7D50-4830-4EEE-A1B4-FEACDE6CDDCF}"/>
+              </a:ext>
+            </a:extLst>
+          </p:cNvPr>
+          <p:cNvSpPr>
+            <a:spLocks noGrp="1"/>
+          </p:cNvSpPr>
+          <p:nvPr>
+            <p:ph type="title"/>
+          </p:nvPr>
+        </p:nvSpPr>
+        <p:spPr/>
+        <p:txBody>
+          <a:bodyPr/>
+          <a:lstStyle/>
+          <a:p>
+            <a:pPr algn="l"/>
+            <a:r>
+              <a:rPr lang="en-US" dirty="0"/>
+              <a:t>Confirm Prescreen Restrictions</a:t>
+            </a:r>
+          </a:p>
+        </p:txBody>
+      </p:sp>
+      <p:sp>
+        <p:nvSpPr>
+          <p:cNvPr id="3" name="Content Placeholder 2">
+            <a:extLst>
+              <a:ext uri="{FF2B5EF4-FFF2-40B4-BE49-F238E27FC236}">
+                <a16:creationId xmlns:a16="http://schemas.microsoft.com/office/drawing/2014/main" id="{CB474384-92F7-408B-8E91-AED4AD0EB9B3}"/>
+              </a:ext>
+            </a:extLst>
+          </p:cNvPr>
+          <p:cNvSpPr>
+            <a:spLocks noGrp="1"/>
+          </p:cNvSpPr>
+          <p:nvPr>
+            <p:ph idx="1"/>
+          </p:nvPr>
+        </p:nvSpPr>
+        <p:spPr>
+          <a:xfrm>
+            <a:off x="913796" y="1732449"/>
+            <a:ext cx="3933976" cy="4058751"/>
+          </a:xfrm>
+        </p:spPr>
+        <p:txBody>
+          <a:bodyPr/>
+          <a:lstStyle/>
+          <a:p>
+            <a:r>
+              <a:rPr lang="en-US" dirty="0"/>
+              <a:t>For each characteristic, select the responses that will be </a:t>
+            </a:r>
+            <a:r>
+              <a:rPr lang="en-US" b="1" dirty="0"/>
+              <a:t>ALLOWED</a:t>
+            </a:r>
+            <a:r>
+              <a:rPr lang="en-US" dirty="0"/>
+              <a:t> in your study. These are for </a:t>
+            </a:r>
+            <a:r>
+              <a:rPr lang="en-US" u="sng" dirty="0"/>
+              <a:t>inclusion</a:t>
+            </a:r>
+            <a:r>
+              <a:rPr lang="en-US" dirty="0"/>
+              <a:t>, not </a:t>
+            </a:r>
+            <a:r>
+              <a:rPr lang="en-US" u="sng" dirty="0"/>
+              <a:t>exclusion</a:t>
+            </a:r>
+          </a:p>
+        </p:txBody>
+      </p:sp>
+      <p:pic>
+        <p:nvPicPr>
+          <p:cNvPr id="5" name="Picture 4">
+            <a:extLst>
+              <a:ext uri="{FF2B5EF4-FFF2-40B4-BE49-F238E27FC236}">
+                <a16:creationId xmlns:a16="http://schemas.microsoft.com/office/drawing/2014/main" id="{DCC66C95-11F0-48F3-A16D-0B432C5203CF}"/>
+              </a:ext>
+            </a:extLst>
+          </p:cNvPr>
+          <p:cNvPicPr>
+            <a:picLocks noChangeAspect="1"/>
+          </p:cNvPicPr>
+          <p:nvPr/>
+        </p:nvPicPr>
+        <p:blipFill>
+          <a:blip r:embed="rId2"/>
+          <a:stretch>
+            <a:fillRect/>
+          </a:stretch>
+        </p:blipFill>
+        <p:spPr>
+          <a:xfrm>
+            <a:off x="5236420" y="1732449"/>
+            <a:ext cx="6607809" cy="4058751"/>
+          </a:xfrm>
+          <a:prstGeom prst="rect">
+            <a:avLst/>
+          </a:prstGeom>
+        </p:spPr>
+      </p:pic>
+    </p:spTree>
+    <p:extLst>
+      <p:ext uri="{BB962C8B-B14F-4D97-AF65-F5344CB8AC3E}">
+        <p14:creationId xmlns:p14="http://schemas.microsoft.com/office/powerpoint/2010/main" val="4176440497"/>
+      </p:ext>
+    </p:extLst>
+  </p:cSld>
+  <p:clrMapOvr>
+    <a:masterClrMapping/>
+  </p:clrMapOvr>
+</p:sld>
+</file>
+
+<file path=ppt/slides/slide12.xml><?xml version="1.0" encoding="utf-8"?>
+<p:sld xmlns:a="http://schemas.openxmlformats.org/drawingml/2006/main" xmlns:r="http://schemas.openxmlformats.org/officeDocument/2006/relationships" xmlns:p="http://schemas.openxmlformats.org/presentationml/2006/main">
+  <p:cSld>
+    <p:spTree>
+      <p:nvGrpSpPr>
+        <p:cNvPr id="1" name=""/>
+        <p:cNvGrpSpPr/>
+        <p:nvPr/>
+      </p:nvGrpSpPr>
+      <p:grpSpPr>
+        <a:xfrm>
+          <a:off x="0" y="0"/>
+          <a:ext cx="0" cy="0"/>
+          <a:chOff x="0" y="0"/>
+          <a:chExt cx="0" cy="0"/>
+        </a:xfrm>
+      </p:grpSpPr>
+      <p:sp>
+        <p:nvSpPr>
+          <p:cNvPr id="2" name="Title 1">
+            <a:extLst>
+              <a:ext uri="{FF2B5EF4-FFF2-40B4-BE49-F238E27FC236}">
                 <a16:creationId xmlns:a16="http://schemas.microsoft.com/office/drawing/2014/main" id="{A1AEF367-4A0C-4D31-99FC-543F09CBFEB4}"/>
               </a:ext>
             </a:extLst>
@@ -9200,7 +9572,7 @@
 </p:sld>
 </file>
 
-<file path=ppt/slides/slide11.xml><?xml version="1.0" encoding="utf-8"?>
+<file path=ppt/slides/slide13.xml><?xml version="1.0" encoding="utf-8"?>
 <p:sld xmlns:a="http://schemas.openxmlformats.org/drawingml/2006/main" xmlns:r="http://schemas.openxmlformats.org/officeDocument/2006/relationships" xmlns:p="http://schemas.openxmlformats.org/presentationml/2006/main">
   <p:cSld>
     <p:spTree>
@@ -9435,7 +9807,7 @@
 </p:sld>
 </file>
 
-<file path=ppt/slides/slide12.xml><?xml version="1.0" encoding="utf-8"?>
+<file path=ppt/slides/slide14.xml><?xml version="1.0" encoding="utf-8"?>
 <p:sld xmlns:a="http://schemas.openxmlformats.org/drawingml/2006/main" xmlns:r="http://schemas.openxmlformats.org/officeDocument/2006/relationships" xmlns:p="http://schemas.openxmlformats.org/presentationml/2006/main">
   <p:cSld>
     <p:spTree>
@@ -9570,7 +9942,7 @@
 </p:sld>
 </file>
 
-<file path=ppt/slides/slide13.xml><?xml version="1.0" encoding="utf-8"?>
+<file path=ppt/slides/slide15.xml><?xml version="1.0" encoding="utf-8"?>
 <p:sld xmlns:a="http://schemas.openxmlformats.org/drawingml/2006/main" xmlns:r="http://schemas.openxmlformats.org/officeDocument/2006/relationships" xmlns:p="http://schemas.openxmlformats.org/presentationml/2006/main">
   <p:cSld>
     <p:spTree>
@@ -9842,7 +10214,7 @@
 </p:sld>
 </file>
 
-<file path=ppt/slides/slide14.xml><?xml version="1.0" encoding="utf-8"?>
+<file path=ppt/slides/slide16.xml><?xml version="1.0" encoding="utf-8"?>
 <p:sld xmlns:a="http://schemas.openxmlformats.org/drawingml/2006/main" xmlns:r="http://schemas.openxmlformats.org/officeDocument/2006/relationships" xmlns:p="http://schemas.openxmlformats.org/presentationml/2006/main">
   <p:cSld>
     <p:spTree>
@@ -9972,7 +10344,7 @@
 </p:sld>
 </file>
 
-<file path=ppt/slides/slide15.xml><?xml version="1.0" encoding="utf-8"?>
+<file path=ppt/slides/slide17.xml><?xml version="1.0" encoding="utf-8"?>
 <p:sld xmlns:a="http://schemas.openxmlformats.org/drawingml/2006/main" xmlns:r="http://schemas.openxmlformats.org/officeDocument/2006/relationships" xmlns:p="http://schemas.openxmlformats.org/presentationml/2006/main">
   <p:cSld>
     <p:spTree>
@@ -10030,7 +10402,7 @@
 </p:sld>
 </file>
 
-<file path=ppt/slides/slide16.xml><?xml version="1.0" encoding="utf-8"?>
+<file path=ppt/slides/slide18.xml><?xml version="1.0" encoding="utf-8"?>
 <p:sld xmlns:a="http://schemas.openxmlformats.org/drawingml/2006/main" xmlns:r="http://schemas.openxmlformats.org/officeDocument/2006/relationships" xmlns:p="http://schemas.openxmlformats.org/presentationml/2006/main">
   <p:cSld>
     <p:spTree>
@@ -10163,7 +10535,7 @@
 </p:sld>
 </file>
 
-<file path=ppt/slides/slide17.xml><?xml version="1.0" encoding="utf-8"?>
+<file path=ppt/slides/slide19.xml><?xml version="1.0" encoding="utf-8"?>
 <p:sld xmlns:a="http://schemas.openxmlformats.org/drawingml/2006/main" xmlns:r="http://schemas.openxmlformats.org/officeDocument/2006/relationships" xmlns:p="http://schemas.openxmlformats.org/presentationml/2006/main">
   <p:cSld>
     <p:spTree>
@@ -10431,7 +10803,173 @@
 </p:sld>
 </file>
 
-<file path=ppt/slides/slide18.xml><?xml version="1.0" encoding="utf-8"?>
+<file path=ppt/slides/slide2.xml><?xml version="1.0" encoding="utf-8"?>
+<p:sld xmlns:a="http://schemas.openxmlformats.org/drawingml/2006/main" xmlns:r="http://schemas.openxmlformats.org/officeDocument/2006/relationships" xmlns:p="http://schemas.openxmlformats.org/presentationml/2006/main">
+  <p:cSld>
+    <p:bg>
+      <p:bgPr>
+        <a:blipFill rotWithShape="1">
+          <a:blip r:embed="rId2">
+            <a:duotone>
+              <a:schemeClr val="bg2">
+                <a:shade val="80000"/>
+                <a:lumMod val="80000"/>
+              </a:schemeClr>
+              <a:schemeClr val="bg2">
+                <a:tint val="98000"/>
+              </a:schemeClr>
+            </a:duotone>
+          </a:blip>
+          <a:stretch/>
+        </a:blipFill>
+        <a:effectLst/>
+      </p:bgPr>
+    </p:bg>
+    <p:spTree>
+      <p:nvGrpSpPr>
+        <p:cNvPr id="1" name=""/>
+        <p:cNvGrpSpPr/>
+        <p:nvPr/>
+      </p:nvGrpSpPr>
+      <p:grpSpPr>
+        <a:xfrm>
+          <a:off x="0" y="0"/>
+          <a:ext cx="0" cy="0"/>
+          <a:chOff x="0" y="0"/>
+          <a:chExt cx="0" cy="0"/>
+        </a:xfrm>
+      </p:grpSpPr>
+      <p:sp>
+        <p:nvSpPr>
+          <p:cNvPr id="2" name="Title 1">
+            <a:extLst>
+              <a:ext uri="{FF2B5EF4-FFF2-40B4-BE49-F238E27FC236}">
+                <a16:creationId xmlns:a16="http://schemas.microsoft.com/office/drawing/2014/main" id="{3104DB08-A800-485E-A040-5D2D97924852}"/>
+              </a:ext>
+            </a:extLst>
+          </p:cNvPr>
+          <p:cNvSpPr>
+            <a:spLocks noGrp="1"/>
+          </p:cNvSpPr>
+          <p:nvPr>
+            <p:ph type="title"/>
+          </p:nvPr>
+        </p:nvSpPr>
+        <p:spPr>
+          <a:xfrm>
+            <a:off x="913795" y="609600"/>
+            <a:ext cx="10353762" cy="970450"/>
+          </a:xfrm>
+        </p:spPr>
+        <p:txBody>
+          <a:bodyPr>
+            <a:normAutofit/>
+          </a:bodyPr>
+          <a:lstStyle/>
+          <a:p>
+            <a:r>
+              <a:rPr lang="en-US"/>
+              <a:t>Contents</a:t>
+            </a:r>
+          </a:p>
+        </p:txBody>
+      </p:sp>
+      <p:pic>
+        <p:nvPicPr>
+          <p:cNvPr id="17" name="Picture 16">
+            <a:extLst>
+              <a:ext uri="{FF2B5EF4-FFF2-40B4-BE49-F238E27FC236}">
+                <a16:creationId xmlns:a16="http://schemas.microsoft.com/office/drawing/2014/main" id="{A8D526D7-C782-4F65-A21F-A6B40D869B47}"/>
+              </a:ext>
+              <a:ext uri="{C183D7F6-B498-43B3-948B-1728B52AA6E4}">
+                <adec:decorative xmlns:adec="http://schemas.microsoft.com/office/drawing/2017/decorative" val="1"/>
+              </a:ext>
+            </a:extLst>
+          </p:cNvPr>
+          <p:cNvPicPr preferRelativeResize="0">
+            <a:picLocks noGrp="1" noRot="1" noChangeAspect="1" noMove="1" noResize="1" noEditPoints="1" noAdjustHandles="1" noChangeArrowheads="1" noChangeShapeType="1" noCrop="1"/>
+          </p:cNvPicPr>
+          <p:nvPr>
+            <p:extLst>
+              <p:ext uri="{386F3935-93C4-4BCD-93E2-E3B085C9AB24}">
+                <p16:designElem xmlns:p16="http://schemas.microsoft.com/office/powerpoint/2015/main" val="1"/>
+              </p:ext>
+            </p:extLst>
+          </p:nvPr>
+        </p:nvPicPr>
+        <p:blipFill rotWithShape="1">
+          <a:blip r:embed="rId3">
+            <a:extLst>
+              <a:ext uri="{28A0092B-C50C-407E-A947-70E740481C1C}">
+                <a14:useLocalDpi xmlns:a14="http://schemas.microsoft.com/office/drawing/2010/main" val="0"/>
+              </a:ext>
+            </a:extLst>
+          </a:blip>
+          <a:srcRect l="798" t="2669" r="616"/>
+          <a:stretch/>
+        </p:blipFill>
+        <p:spPr>
+          <a:xfrm>
+            <a:off x="-1" y="1731964"/>
+            <a:ext cx="12192001" cy="5126036"/>
+          </a:xfrm>
+          <a:prstGeom prst="rect">
+            <a:avLst/>
+          </a:prstGeom>
+          <a:effectLst>
+            <a:innerShdw blurRad="63500" dist="50800" dir="16200000">
+              <a:prstClr val="black">
+                <a:alpha val="50000"/>
+              </a:prstClr>
+            </a:innerShdw>
+          </a:effectLst>
+        </p:spPr>
+      </p:pic>
+      <p:graphicFrame>
+        <p:nvGraphicFramePr>
+          <p:cNvPr id="12" name="Content Placeholder 2">
+            <a:extLst>
+              <a:ext uri="{FF2B5EF4-FFF2-40B4-BE49-F238E27FC236}">
+                <a16:creationId xmlns:a16="http://schemas.microsoft.com/office/drawing/2014/main" id="{3342C8EE-18CA-46A1-BCF0-525B804C0B22}"/>
+              </a:ext>
+            </a:extLst>
+          </p:cNvPr>
+          <p:cNvGraphicFramePr>
+            <a:graphicFrameLocks noGrp="1"/>
+          </p:cNvGraphicFramePr>
+          <p:nvPr>
+            <p:ph idx="1"/>
+            <p:extLst>
+              <p:ext uri="{D42A27DB-BD31-4B8C-83A1-F6EECF244321}">
+                <p14:modId xmlns:p14="http://schemas.microsoft.com/office/powerpoint/2010/main" val="293685643"/>
+              </p:ext>
+            </p:extLst>
+          </p:nvPr>
+        </p:nvGraphicFramePr>
+        <p:xfrm>
+          <a:off x="914400" y="1892830"/>
+          <a:ext cx="10353675" cy="3898369"/>
+        </p:xfrm>
+        <a:graphic>
+          <a:graphicData uri="http://schemas.openxmlformats.org/drawingml/2006/diagram">
+            <dgm:relIds xmlns:dgm="http://schemas.openxmlformats.org/drawingml/2006/diagram" xmlns:r="http://schemas.openxmlformats.org/officeDocument/2006/relationships" r:dm="rId4" r:lo="rId5" r:qs="rId6" r:cs="rId7"/>
+          </a:graphicData>
+        </a:graphic>
+      </p:graphicFrame>
+    </p:spTree>
+    <p:extLst>
+      <p:ext uri="{BB962C8B-B14F-4D97-AF65-F5344CB8AC3E}">
+        <p14:creationId xmlns:p14="http://schemas.microsoft.com/office/powerpoint/2010/main" val="3009276117"/>
+      </p:ext>
+    </p:extLst>
+  </p:cSld>
+  <p:clrMapOvr>
+    <a:masterClrMapping/>
+  </p:clrMapOvr>
+</p:sld>
+</file>
+
+<file path=ppt/slides/slide20.xml><?xml version="1.0" encoding="utf-8"?>
 <p:sld xmlns:a="http://schemas.openxmlformats.org/drawingml/2006/main" xmlns:r="http://schemas.openxmlformats.org/officeDocument/2006/relationships" xmlns:p="http://schemas.openxmlformats.org/presentationml/2006/main">
   <p:cSld>
     <p:spTree>
@@ -10578,7 +11116,7 @@
 </p:sld>
 </file>
 
-<file path=ppt/slides/slide19.xml><?xml version="1.0" encoding="utf-8"?>
+<file path=ppt/slides/slide21.xml><?xml version="1.0" encoding="utf-8"?>
 <p:sld xmlns:a="http://schemas.openxmlformats.org/drawingml/2006/main" xmlns:r="http://schemas.openxmlformats.org/officeDocument/2006/relationships" xmlns:p="http://schemas.openxmlformats.org/presentationml/2006/main">
   <p:cSld>
     <p:bg>
@@ -10931,173 +11469,7 @@
 </p:sld>
 </file>
 
-<file path=ppt/slides/slide2.xml><?xml version="1.0" encoding="utf-8"?>
-<p:sld xmlns:a="http://schemas.openxmlformats.org/drawingml/2006/main" xmlns:r="http://schemas.openxmlformats.org/officeDocument/2006/relationships" xmlns:p="http://schemas.openxmlformats.org/presentationml/2006/main">
-  <p:cSld>
-    <p:bg>
-      <p:bgPr>
-        <a:blipFill rotWithShape="1">
-          <a:blip r:embed="rId2">
-            <a:duotone>
-              <a:schemeClr val="bg2">
-                <a:shade val="80000"/>
-                <a:lumMod val="80000"/>
-              </a:schemeClr>
-              <a:schemeClr val="bg2">
-                <a:tint val="98000"/>
-              </a:schemeClr>
-            </a:duotone>
-          </a:blip>
-          <a:stretch/>
-        </a:blipFill>
-        <a:effectLst/>
-      </p:bgPr>
-    </p:bg>
-    <p:spTree>
-      <p:nvGrpSpPr>
-        <p:cNvPr id="1" name=""/>
-        <p:cNvGrpSpPr/>
-        <p:nvPr/>
-      </p:nvGrpSpPr>
-      <p:grpSpPr>
-        <a:xfrm>
-          <a:off x="0" y="0"/>
-          <a:ext cx="0" cy="0"/>
-          <a:chOff x="0" y="0"/>
-          <a:chExt cx="0" cy="0"/>
-        </a:xfrm>
-      </p:grpSpPr>
-      <p:sp>
-        <p:nvSpPr>
-          <p:cNvPr id="2" name="Title 1">
-            <a:extLst>
-              <a:ext uri="{FF2B5EF4-FFF2-40B4-BE49-F238E27FC236}">
-                <a16:creationId xmlns:a16="http://schemas.microsoft.com/office/drawing/2014/main" id="{3104DB08-A800-485E-A040-5D2D97924852}"/>
-              </a:ext>
-            </a:extLst>
-          </p:cNvPr>
-          <p:cNvSpPr>
-            <a:spLocks noGrp="1"/>
-          </p:cNvSpPr>
-          <p:nvPr>
-            <p:ph type="title"/>
-          </p:nvPr>
-        </p:nvSpPr>
-        <p:spPr>
-          <a:xfrm>
-            <a:off x="913795" y="609600"/>
-            <a:ext cx="10353762" cy="970450"/>
-          </a:xfrm>
-        </p:spPr>
-        <p:txBody>
-          <a:bodyPr>
-            <a:normAutofit/>
-          </a:bodyPr>
-          <a:lstStyle/>
-          <a:p>
-            <a:r>
-              <a:rPr lang="en-US"/>
-              <a:t>Contents</a:t>
-            </a:r>
-          </a:p>
-        </p:txBody>
-      </p:sp>
-      <p:pic>
-        <p:nvPicPr>
-          <p:cNvPr id="17" name="Picture 16">
-            <a:extLst>
-              <a:ext uri="{FF2B5EF4-FFF2-40B4-BE49-F238E27FC236}">
-                <a16:creationId xmlns:a16="http://schemas.microsoft.com/office/drawing/2014/main" id="{A8D526D7-C782-4F65-A21F-A6B40D869B47}"/>
-              </a:ext>
-              <a:ext uri="{C183D7F6-B498-43B3-948B-1728B52AA6E4}">
-                <adec:decorative xmlns:adec="http://schemas.microsoft.com/office/drawing/2017/decorative" val="1"/>
-              </a:ext>
-            </a:extLst>
-          </p:cNvPr>
-          <p:cNvPicPr preferRelativeResize="0">
-            <a:picLocks noGrp="1" noRot="1" noChangeAspect="1" noMove="1" noResize="1" noEditPoints="1" noAdjustHandles="1" noChangeArrowheads="1" noChangeShapeType="1" noCrop="1"/>
-          </p:cNvPicPr>
-          <p:nvPr>
-            <p:extLst>
-              <p:ext uri="{386F3935-93C4-4BCD-93E2-E3B085C9AB24}">
-                <p16:designElem xmlns:p16="http://schemas.microsoft.com/office/powerpoint/2015/main" val="1"/>
-              </p:ext>
-            </p:extLst>
-          </p:nvPr>
-        </p:nvPicPr>
-        <p:blipFill rotWithShape="1">
-          <a:blip r:embed="rId3">
-            <a:extLst>
-              <a:ext uri="{28A0092B-C50C-407E-A947-70E740481C1C}">
-                <a14:useLocalDpi xmlns:a14="http://schemas.microsoft.com/office/drawing/2010/main" val="0"/>
-              </a:ext>
-            </a:extLst>
-          </a:blip>
-          <a:srcRect l="798" t="2669" r="616"/>
-          <a:stretch/>
-        </p:blipFill>
-        <p:spPr>
-          <a:xfrm>
-            <a:off x="-1" y="1731964"/>
-            <a:ext cx="12192001" cy="5126036"/>
-          </a:xfrm>
-          <a:prstGeom prst="rect">
-            <a:avLst/>
-          </a:prstGeom>
-          <a:effectLst>
-            <a:innerShdw blurRad="63500" dist="50800" dir="16200000">
-              <a:prstClr val="black">
-                <a:alpha val="50000"/>
-              </a:prstClr>
-            </a:innerShdw>
-          </a:effectLst>
-        </p:spPr>
-      </p:pic>
-      <p:graphicFrame>
-        <p:nvGraphicFramePr>
-          <p:cNvPr id="12" name="Content Placeholder 2">
-            <a:extLst>
-              <a:ext uri="{FF2B5EF4-FFF2-40B4-BE49-F238E27FC236}">
-                <a16:creationId xmlns:a16="http://schemas.microsoft.com/office/drawing/2014/main" id="{3342C8EE-18CA-46A1-BCF0-525B804C0B22}"/>
-              </a:ext>
-            </a:extLst>
-          </p:cNvPr>
-          <p:cNvGraphicFramePr>
-            <a:graphicFrameLocks noGrp="1"/>
-          </p:cNvGraphicFramePr>
-          <p:nvPr>
-            <p:ph idx="1"/>
-            <p:extLst>
-              <p:ext uri="{D42A27DB-BD31-4B8C-83A1-F6EECF244321}">
-                <p14:modId xmlns:p14="http://schemas.microsoft.com/office/powerpoint/2010/main" val="293685643"/>
-              </p:ext>
-            </p:extLst>
-          </p:nvPr>
-        </p:nvGraphicFramePr>
-        <p:xfrm>
-          <a:off x="914400" y="1892830"/>
-          <a:ext cx="10353675" cy="3898369"/>
-        </p:xfrm>
-        <a:graphic>
-          <a:graphicData uri="http://schemas.openxmlformats.org/drawingml/2006/diagram">
-            <dgm:relIds xmlns:dgm="http://schemas.openxmlformats.org/drawingml/2006/diagram" xmlns:r="http://schemas.openxmlformats.org/officeDocument/2006/relationships" r:dm="rId4" r:lo="rId5" r:qs="rId6" r:cs="rId7"/>
-          </a:graphicData>
-        </a:graphic>
-      </p:graphicFrame>
-    </p:spTree>
-    <p:extLst>
-      <p:ext uri="{BB962C8B-B14F-4D97-AF65-F5344CB8AC3E}">
-        <p14:creationId xmlns:p14="http://schemas.microsoft.com/office/powerpoint/2010/main" val="3009276117"/>
-      </p:ext>
-    </p:extLst>
-  </p:cSld>
-  <p:clrMapOvr>
-    <a:masterClrMapping/>
-  </p:clrMapOvr>
-</p:sld>
-</file>
-
-<file path=ppt/slides/slide20.xml><?xml version="1.0" encoding="utf-8"?>
+<file path=ppt/slides/slide22.xml><?xml version="1.0" encoding="utf-8"?>
 <p:sld xmlns:a="http://schemas.openxmlformats.org/drawingml/2006/main" xmlns:r="http://schemas.openxmlformats.org/officeDocument/2006/relationships" xmlns:p="http://schemas.openxmlformats.org/presentationml/2006/main">
   <p:cSld>
     <p:spTree>
@@ -11161,8 +11533,8 @@
         </p:nvSpPr>
         <p:spPr>
           <a:xfrm>
-            <a:off x="913795" y="1732449"/>
-            <a:ext cx="5089440" cy="4572680"/>
+            <a:off x="913794" y="1732449"/>
+            <a:ext cx="5182205" cy="4572680"/>
           </a:xfrm>
         </p:spPr>
         <p:txBody>
@@ -11225,8 +11597,8 @@
         </p:blipFill>
         <p:spPr>
           <a:xfrm>
-            <a:off x="7470038" y="1094825"/>
-            <a:ext cx="4081066" cy="4572680"/>
+            <a:off x="6662057" y="1094825"/>
+            <a:ext cx="4889047" cy="5477992"/>
           </a:xfrm>
           <a:prstGeom prst="rect">
             <a:avLst/>
@@ -11246,7 +11618,7 @@
 </p:sld>
 </file>
 
-<file path=ppt/slides/slide21.xml><?xml version="1.0" encoding="utf-8"?>
+<file path=ppt/slides/slide23.xml><?xml version="1.0" encoding="utf-8"?>
 <p:sld xmlns:a="http://schemas.openxmlformats.org/drawingml/2006/main" xmlns:r="http://schemas.openxmlformats.org/officeDocument/2006/relationships" xmlns:p="http://schemas.openxmlformats.org/presentationml/2006/main">
   <p:cSld>
     <p:spTree>
